--- a/GIS/FP SIG.pptx
+++ b/GIS/FP SIG.pptx
@@ -933,7 +933,7 @@
           <a:p>
             <a:fld id="{5823667A-CA71-489B-965E-6CF2CC7A6907}" type="datetimeFigureOut">
               <a:rPr lang="en-ID" smtClean="0"/>
-              <a:t>02/12/2018</a:t>
+              <a:t>27/11/2019</a:t>
             </a:fld>
             <a:endParaRPr lang="en-ID"/>
           </a:p>
@@ -1154,7 +1154,7 @@
           <a:p>
             <a:fld id="{5823667A-CA71-489B-965E-6CF2CC7A6907}" type="datetimeFigureOut">
               <a:rPr lang="en-ID" smtClean="0"/>
-              <a:t>02/12/2018</a:t>
+              <a:t>27/11/2019</a:t>
             </a:fld>
             <a:endParaRPr lang="en-ID"/>
           </a:p>
@@ -1379,7 +1379,7 @@
           <a:p>
             <a:fld id="{5823667A-CA71-489B-965E-6CF2CC7A6907}" type="datetimeFigureOut">
               <a:rPr lang="en-ID" smtClean="0"/>
-              <a:t>02/12/2018</a:t>
+              <a:t>27/11/2019</a:t>
             </a:fld>
             <a:endParaRPr lang="en-ID"/>
           </a:p>
@@ -1961,7 +1961,7 @@
           <a:p>
             <a:fld id="{5823667A-CA71-489B-965E-6CF2CC7A6907}" type="datetimeFigureOut">
               <a:rPr lang="en-ID" smtClean="0"/>
-              <a:t>02/12/2018</a:t>
+              <a:t>27/11/2019</a:t>
             </a:fld>
             <a:endParaRPr lang="en-ID"/>
           </a:p>
@@ -2250,7 +2250,7 @@
           <a:p>
             <a:fld id="{5823667A-CA71-489B-965E-6CF2CC7A6907}" type="datetimeFigureOut">
               <a:rPr lang="en-ID" smtClean="0"/>
-              <a:t>02/12/2018</a:t>
+              <a:t>27/11/2019</a:t>
             </a:fld>
             <a:endParaRPr lang="en-ID"/>
           </a:p>
@@ -2528,7 +2528,7 @@
           <a:p>
             <a:fld id="{5823667A-CA71-489B-965E-6CF2CC7A6907}" type="datetimeFigureOut">
               <a:rPr lang="en-ID" smtClean="0"/>
-              <a:t>02/12/2018</a:t>
+              <a:t>27/11/2019</a:t>
             </a:fld>
             <a:endParaRPr lang="en-ID"/>
           </a:p>
@@ -2954,7 +2954,7 @@
           <a:p>
             <a:fld id="{5823667A-CA71-489B-965E-6CF2CC7A6907}" type="datetimeFigureOut">
               <a:rPr lang="en-ID" smtClean="0"/>
-              <a:t>02/12/2018</a:t>
+              <a:t>27/11/2019</a:t>
             </a:fld>
             <a:endParaRPr lang="en-ID"/>
           </a:p>
@@ -3113,7 +3113,7 @@
           <a:p>
             <a:fld id="{5823667A-CA71-489B-965E-6CF2CC7A6907}" type="datetimeFigureOut">
               <a:rPr lang="en-ID" smtClean="0"/>
-              <a:t>02/12/2018</a:t>
+              <a:t>27/11/2019</a:t>
             </a:fld>
             <a:endParaRPr lang="en-ID"/>
           </a:p>
@@ -3249,7 +3249,7 @@
           <a:p>
             <a:fld id="{5823667A-CA71-489B-965E-6CF2CC7A6907}" type="datetimeFigureOut">
               <a:rPr lang="en-ID" smtClean="0"/>
-              <a:t>02/12/2018</a:t>
+              <a:t>27/11/2019</a:t>
             </a:fld>
             <a:endParaRPr lang="en-ID"/>
           </a:p>
@@ -3509,7 +3509,7 @@
           <a:p>
             <a:fld id="{5823667A-CA71-489B-965E-6CF2CC7A6907}" type="datetimeFigureOut">
               <a:rPr lang="en-ID" smtClean="0"/>
-              <a:t>02/12/2018</a:t>
+              <a:t>27/11/2019</a:t>
             </a:fld>
             <a:endParaRPr lang="en-ID"/>
           </a:p>
@@ -3964,7 +3964,7 @@
           <a:p>
             <a:fld id="{5823667A-CA71-489B-965E-6CF2CC7A6907}" type="datetimeFigureOut">
               <a:rPr lang="en-ID" smtClean="0"/>
-              <a:t>02/12/2018</a:t>
+              <a:t>27/11/2019</a:t>
             </a:fld>
             <a:endParaRPr lang="en-ID"/>
           </a:p>
@@ -4300,7 +4300,7 @@
           <a:p>
             <a:fld id="{5823667A-CA71-489B-965E-6CF2CC7A6907}" type="datetimeFigureOut">
               <a:rPr lang="en-ID" smtClean="0"/>
-              <a:t>02/12/2018</a:t>
+              <a:t>27/11/2019</a:t>
             </a:fld>
             <a:endParaRPr lang="en-ID"/>
           </a:p>
@@ -4870,43 +4870,20 @@
               </a:spcBef>
             </a:pPr>
             <a:r>
+              <a:rPr lang="id-ID" dirty="0" smtClean="0"/>
+              <a:t>Fariz maulana purnomo</a:t>
+            </a:r>
+            <a:r>
               <a:rPr lang="en" dirty="0"/>
-              <a:t>Narendra Haryo Bismo	05111540000009</a:t>
-            </a:r>
-            <a:endParaRPr dirty="0"/>
-          </a:p>
-          <a:p>
-            <a:pPr lvl="0">
-              <a:spcBef>
-                <a:spcPts val="0"/>
-              </a:spcBef>
-            </a:pPr>
-            <a:r>
-              <a:rPr lang="en" dirty="0"/>
-              <a:t>Naufal Pranasetyo		05111540000057</a:t>
-            </a:r>
-            <a:endParaRPr dirty="0"/>
-          </a:p>
-          <a:p>
-            <a:pPr lvl="0">
-              <a:spcBef>
-                <a:spcPts val="0"/>
-              </a:spcBef>
-            </a:pPr>
-            <a:r>
-              <a:rPr lang="en" dirty="0"/>
-              <a:t>Zahri Rusli			05111540000108</a:t>
-            </a:r>
-          </a:p>
-          <a:p>
-            <a:pPr lvl="0">
-              <a:spcBef>
-                <a:spcPts val="0"/>
-              </a:spcBef>
-            </a:pPr>
-            <a:r>
-              <a:rPr lang="en" dirty="0"/>
-              <a:t>Yuga Mitra Hakiki		05111540000706</a:t>
+              <a:t>	</a:t>
+            </a:r>
+            <a:r>
+              <a:rPr lang="en" dirty="0" smtClean="0"/>
+              <a:t>05111540000</a:t>
+            </a:r>
+            <a:r>
+              <a:rPr lang="id-ID" dirty="0" smtClean="0"/>
+              <a:t>133</a:t>
             </a:r>
             <a:endParaRPr dirty="0"/>
           </a:p>
@@ -5059,7 +5036,7 @@
                 <a16:creationId xmlns:a16="http://schemas.microsoft.com/office/drawing/2014/main" id="{0CABCAE3-64FC-4149-819F-2C1812824154}"/>
               </a:ext>
               <a:ext uri="{C183D7F6-B498-43B3-948B-1728B52AA6E4}">
-                <adec:decorative xmlns:adec="http://schemas.microsoft.com/office/drawing/2017/decorative" val="1"/>
+                <adec:decorative xmlns="" xmlns:adec="http://schemas.microsoft.com/office/drawing/2017/decorative" val="1"/>
               </a:ext>
             </a:extLst>
           </p:cNvPr>
@@ -5125,7 +5102,7 @@
                 <a16:creationId xmlns:a16="http://schemas.microsoft.com/office/drawing/2014/main" id="{012FDCFE-9AD2-4D8A-8CBF-B3AA37EBF6DD}"/>
               </a:ext>
               <a:ext uri="{C183D7F6-B498-43B3-948B-1728B52AA6E4}">
-                <adec:decorative xmlns:adec="http://schemas.microsoft.com/office/drawing/2017/decorative" val="1"/>
+                <adec:decorative xmlns="" xmlns:adec="http://schemas.microsoft.com/office/drawing/2017/decorative" val="1"/>
               </a:ext>
             </a:extLst>
           </p:cNvPr>
@@ -5169,7 +5146,7 @@
                 <a16:creationId xmlns:a16="http://schemas.microsoft.com/office/drawing/2014/main" id="{FBD463FC-4CA8-4FF4-85A3-AF9F4B98D210}"/>
               </a:ext>
               <a:ext uri="{C183D7F6-B498-43B3-948B-1728B52AA6E4}">
-                <adec:decorative xmlns:adec="http://schemas.microsoft.com/office/drawing/2017/decorative" val="1"/>
+                <adec:decorative xmlns="" xmlns:adec="http://schemas.microsoft.com/office/drawing/2017/decorative" val="1"/>
               </a:ext>
             </a:extLst>
           </p:cNvPr>
@@ -5223,7 +5200,7 @@
                 <a16:creationId xmlns:a16="http://schemas.microsoft.com/office/drawing/2014/main" id="{BECF35C3-8B44-4F4B-BD25-4C01823DB22A}"/>
               </a:ext>
               <a:ext uri="{C183D7F6-B498-43B3-948B-1728B52AA6E4}">
-                <adec:decorative xmlns:adec="http://schemas.microsoft.com/office/drawing/2017/decorative" val="1"/>
+                <adec:decorative xmlns="" xmlns:adec="http://schemas.microsoft.com/office/drawing/2017/decorative" val="1"/>
               </a:ext>
             </a:extLst>
           </p:cNvPr>
@@ -5271,7 +5248,7 @@
                 <a16:creationId xmlns:a16="http://schemas.microsoft.com/office/drawing/2014/main" id="{D0712110-0BC1-4B31-B3BB-63B44222E87F}"/>
               </a:ext>
               <a:ext uri="{C183D7F6-B498-43B3-948B-1728B52AA6E4}">
-                <adec:decorative xmlns:adec="http://schemas.microsoft.com/office/drawing/2017/decorative" val="1"/>
+                <adec:decorative xmlns="" xmlns:adec="http://schemas.microsoft.com/office/drawing/2017/decorative" val="1"/>
               </a:ext>
             </a:extLst>
           </p:cNvPr>
@@ -5331,7 +5308,7 @@
                 <a16:creationId xmlns:a16="http://schemas.microsoft.com/office/drawing/2014/main" id="{4466B5F3-C053-4580-B04A-1EF949888280}"/>
               </a:ext>
               <a:ext uri="{C183D7F6-B498-43B3-948B-1728B52AA6E4}">
-                <adec:decorative xmlns:adec="http://schemas.microsoft.com/office/drawing/2017/decorative" val="1"/>
+                <adec:decorative xmlns="" xmlns:adec="http://schemas.microsoft.com/office/drawing/2017/decorative" val="1"/>
               </a:ext>
             </a:extLst>
           </p:cNvPr>
@@ -5453,7 +5430,7 @@
                 <a16:creationId xmlns:a16="http://schemas.microsoft.com/office/drawing/2014/main" id="{FA6123F2-4B61-414F-A7E5-5B7828EACAE2}"/>
               </a:ext>
               <a:ext uri="{C183D7F6-B498-43B3-948B-1728B52AA6E4}">
-                <adec:decorative xmlns:adec="http://schemas.microsoft.com/office/drawing/2017/decorative" val="1"/>
+                <adec:decorative xmlns="" xmlns:adec="http://schemas.microsoft.com/office/drawing/2017/decorative" val="1"/>
               </a:ext>
             </a:extLst>
           </p:cNvPr>
@@ -5531,7 +5508,7 @@
                 <a16:creationId xmlns:a16="http://schemas.microsoft.com/office/drawing/2014/main" id="{25CED634-E2D0-4AB7-96DD-816C9B52C5CF}"/>
               </a:ext>
               <a:ext uri="{C183D7F6-B498-43B3-948B-1728B52AA6E4}">
-                <adec:decorative xmlns:adec="http://schemas.microsoft.com/office/drawing/2017/decorative" val="1"/>
+                <adec:decorative xmlns="" xmlns:adec="http://schemas.microsoft.com/office/drawing/2017/decorative" val="1"/>
               </a:ext>
             </a:extLst>
           </p:cNvPr>
@@ -5575,7 +5552,7 @@
                 <a16:creationId xmlns:a16="http://schemas.microsoft.com/office/drawing/2014/main" id="{FCDDCDFB-696D-4FDF-9B58-24F71B7C37BC}"/>
               </a:ext>
               <a:ext uri="{C183D7F6-B498-43B3-948B-1728B52AA6E4}">
-                <adec:decorative xmlns:adec="http://schemas.microsoft.com/office/drawing/2017/decorative" val="1"/>
+                <adec:decorative xmlns="" xmlns:adec="http://schemas.microsoft.com/office/drawing/2017/decorative" val="1"/>
               </a:ext>
             </a:extLst>
           </p:cNvPr>
@@ -5683,7 +5660,7 @@
                 <a16:creationId xmlns:a16="http://schemas.microsoft.com/office/drawing/2014/main" id="{23522FE7-5A29-4EF6-B1EF-2CA55748A772}"/>
               </a:ext>
               <a:ext uri="{C183D7F6-B498-43B3-948B-1728B52AA6E4}">
-                <adec:decorative xmlns:adec="http://schemas.microsoft.com/office/drawing/2017/decorative" val="1"/>
+                <adec:decorative xmlns="" xmlns:adec="http://schemas.microsoft.com/office/drawing/2017/decorative" val="1"/>
               </a:ext>
             </a:extLst>
           </p:cNvPr>
@@ -5749,7 +5726,7 @@
                 <a16:creationId xmlns:a16="http://schemas.microsoft.com/office/drawing/2014/main" id="{C2192E09-EBC7-416C-B887-DFF915D7F43D}"/>
               </a:ext>
               <a:ext uri="{C183D7F6-B498-43B3-948B-1728B52AA6E4}">
-                <adec:decorative xmlns:adec="http://schemas.microsoft.com/office/drawing/2017/decorative" val="1"/>
+                <adec:decorative xmlns="" xmlns:adec="http://schemas.microsoft.com/office/drawing/2017/decorative" val="1"/>
               </a:ext>
             </a:extLst>
           </p:cNvPr>
@@ -5793,7 +5770,7 @@
                 <a16:creationId xmlns:a16="http://schemas.microsoft.com/office/drawing/2014/main" id="{2924498D-E084-44BE-A196-CFCE35564350}"/>
               </a:ext>
               <a:ext uri="{C183D7F6-B498-43B3-948B-1728B52AA6E4}">
-                <adec:decorative xmlns:adec="http://schemas.microsoft.com/office/drawing/2017/decorative" val="1"/>
+                <adec:decorative xmlns="" xmlns:adec="http://schemas.microsoft.com/office/drawing/2017/decorative" val="1"/>
               </a:ext>
             </a:extLst>
           </p:cNvPr>
@@ -5847,7 +5824,7 @@
                 <a16:creationId xmlns:a16="http://schemas.microsoft.com/office/drawing/2014/main" id="{14C12901-9FCC-461E-A64A-89B4791235E9}"/>
               </a:ext>
               <a:ext uri="{C183D7F6-B498-43B3-948B-1728B52AA6E4}">
-                <adec:decorative xmlns:adec="http://schemas.microsoft.com/office/drawing/2017/decorative" val="1"/>
+                <adec:decorative xmlns="" xmlns:adec="http://schemas.microsoft.com/office/drawing/2017/decorative" val="1"/>
               </a:ext>
             </a:extLst>
           </p:cNvPr>
@@ -5895,7 +5872,7 @@
                 <a16:creationId xmlns:a16="http://schemas.microsoft.com/office/drawing/2014/main" id="{29C51009-A09A-4689-8E6C-F8FC99E6A840}"/>
               </a:ext>
               <a:ext uri="{C183D7F6-B498-43B3-948B-1728B52AA6E4}">
-                <adec:decorative xmlns:adec="http://schemas.microsoft.com/office/drawing/2017/decorative" val="1"/>
+                <adec:decorative xmlns="" xmlns:adec="http://schemas.microsoft.com/office/drawing/2017/decorative" val="1"/>
               </a:ext>
             </a:extLst>
           </p:cNvPr>
@@ -5991,6 +5968,18 @@
                 <a:cs typeface="+mj-cs"/>
               </a:rPr>
               <a:t>Fitur 3</a:t>
+            </a:r>
+            <a:r>
+              <a:rPr lang="en-US" sz="2700" b="0" i="0" kern="1200" cap="all" dirty="0">
+                <a:solidFill>
+                  <a:schemeClr val="tx1"/>
+                </a:solidFill>
+                <a:effectLst/>
+                <a:latin typeface="+mj-lt"/>
+                <a:ea typeface="+mj-ea"/>
+                <a:cs typeface="+mj-cs"/>
+              </a:rPr>
+              <a:t/>
             </a:r>
             <a:br>
               <a:rPr lang="en-US" sz="2700" b="0" i="0" kern="1200" cap="all" dirty="0">
@@ -6015,6 +6004,18 @@
               </a:rPr>
               <a:t>Menampilkan jarak dan rute antar Universitas di Surabaya</a:t>
             </a:r>
+            <a:r>
+              <a:rPr lang="en-US" sz="2700" b="0" i="0" kern="1200" cap="all" dirty="0">
+                <a:solidFill>
+                  <a:schemeClr val="tx1"/>
+                </a:solidFill>
+                <a:effectLst/>
+                <a:latin typeface="+mj-lt"/>
+                <a:ea typeface="+mj-ea"/>
+                <a:cs typeface="+mj-cs"/>
+              </a:rPr>
+              <a:t/>
+            </a:r>
             <a:br>
               <a:rPr lang="en-US" sz="2700" b="0" i="0" kern="1200" cap="all" dirty="0">
                 <a:solidFill>
@@ -6026,6 +6027,18 @@
                 <a:cs typeface="+mj-cs"/>
               </a:rPr>
             </a:br>
+            <a:r>
+              <a:rPr lang="en-US" sz="2700" b="0" i="0" kern="1200" cap="all" dirty="0">
+                <a:solidFill>
+                  <a:schemeClr val="tx1"/>
+                </a:solidFill>
+                <a:effectLst/>
+                <a:latin typeface="+mj-lt"/>
+                <a:ea typeface="+mj-ea"/>
+                <a:cs typeface="+mj-cs"/>
+              </a:rPr>
+              <a:t/>
+            </a:r>
             <a:br>
               <a:rPr lang="en-US" sz="2700" b="0" i="0" kern="1200" cap="all" dirty="0">
                 <a:solidFill>
@@ -6057,7 +6070,7 @@
                 <a16:creationId xmlns:a16="http://schemas.microsoft.com/office/drawing/2014/main" id="{9EC65442-F244-409C-BF44-C5D6472E810A}"/>
               </a:ext>
               <a:ext uri="{C183D7F6-B498-43B3-948B-1728B52AA6E4}">
-                <adec:decorative xmlns:adec="http://schemas.microsoft.com/office/drawing/2017/decorative" val="1"/>
+                <adec:decorative xmlns="" xmlns:adec="http://schemas.microsoft.com/office/drawing/2017/decorative" val="1"/>
               </a:ext>
             </a:extLst>
           </p:cNvPr>
@@ -6657,7 +6670,7 @@
                 <a16:creationId xmlns:a16="http://schemas.microsoft.com/office/drawing/2014/main" id="{EEA869E1-F851-4A52-92F5-77E592B76A5B}"/>
               </a:ext>
               <a:ext uri="{C183D7F6-B498-43B3-948B-1728B52AA6E4}">
-                <adec:decorative xmlns:adec="http://schemas.microsoft.com/office/drawing/2017/decorative" val="1"/>
+                <adec:decorative xmlns="" xmlns:adec="http://schemas.microsoft.com/office/drawing/2017/decorative" val="1"/>
               </a:ext>
             </a:extLst>
           </p:cNvPr>
@@ -6723,7 +6736,7 @@
                 <a16:creationId xmlns:a16="http://schemas.microsoft.com/office/drawing/2014/main" id="{B083AD55-8296-44BD-8E14-DD2DDBC351B0}"/>
               </a:ext>
               <a:ext uri="{C183D7F6-B498-43B3-948B-1728B52AA6E4}">
-                <adec:decorative xmlns:adec="http://schemas.microsoft.com/office/drawing/2017/decorative" val="1"/>
+                <adec:decorative xmlns="" xmlns:adec="http://schemas.microsoft.com/office/drawing/2017/decorative" val="1"/>
               </a:ext>
             </a:extLst>
           </p:cNvPr>
@@ -6767,7 +6780,7 @@
                 <a16:creationId xmlns:a16="http://schemas.microsoft.com/office/drawing/2014/main" id="{2BF46B26-15FC-4C5A-94FA-AE9ED64B5C20}"/>
               </a:ext>
               <a:ext uri="{C183D7F6-B498-43B3-948B-1728B52AA6E4}">
-                <adec:decorative xmlns:adec="http://schemas.microsoft.com/office/drawing/2017/decorative" val="1"/>
+                <adec:decorative xmlns="" xmlns:adec="http://schemas.microsoft.com/office/drawing/2017/decorative" val="1"/>
               </a:ext>
             </a:extLst>
           </p:cNvPr>
@@ -6821,7 +6834,7 @@
                 <a16:creationId xmlns:a16="http://schemas.microsoft.com/office/drawing/2014/main" id="{BADF1045-FC61-45F9-B214-2286C9675985}"/>
               </a:ext>
               <a:ext uri="{C183D7F6-B498-43B3-948B-1728B52AA6E4}">
-                <adec:decorative xmlns:adec="http://schemas.microsoft.com/office/drawing/2017/decorative" val="1"/>
+                <adec:decorative xmlns="" xmlns:adec="http://schemas.microsoft.com/office/drawing/2017/decorative" val="1"/>
               </a:ext>
             </a:extLst>
           </p:cNvPr>
@@ -6869,7 +6882,7 @@
                 <a16:creationId xmlns:a16="http://schemas.microsoft.com/office/drawing/2014/main" id="{742C14A9-3617-46DD-9FC4-ED828A7D3E6F}"/>
               </a:ext>
               <a:ext uri="{C183D7F6-B498-43B3-948B-1728B52AA6E4}">
-                <adec:decorative xmlns:adec="http://schemas.microsoft.com/office/drawing/2017/decorative" val="1"/>
+                <adec:decorative xmlns="" xmlns:adec="http://schemas.microsoft.com/office/drawing/2017/decorative" val="1"/>
               </a:ext>
             </a:extLst>
           </p:cNvPr>
@@ -6929,7 +6942,7 @@
                 <a16:creationId xmlns:a16="http://schemas.microsoft.com/office/drawing/2014/main" id="{19AB0109-1C89-41F0-9EDF-3DE017BE3F27}"/>
               </a:ext>
               <a:ext uri="{C183D7F6-B498-43B3-948B-1728B52AA6E4}">
-                <adec:decorative xmlns:adec="http://schemas.microsoft.com/office/drawing/2017/decorative" val="1"/>
+                <adec:decorative xmlns="" xmlns:adec="http://schemas.microsoft.com/office/drawing/2017/decorative" val="1"/>
               </a:ext>
             </a:extLst>
           </p:cNvPr>
@@ -7033,7 +7046,7 @@
                 <a16:creationId xmlns:a16="http://schemas.microsoft.com/office/drawing/2014/main" id="{19E5CB6C-D5A1-44AB-BAD0-E76C67ED2802}"/>
               </a:ext>
               <a:ext uri="{C183D7F6-B498-43B3-948B-1728B52AA6E4}">
-                <adec:decorative xmlns:adec="http://schemas.microsoft.com/office/drawing/2017/decorative" val="1"/>
+                <adec:decorative xmlns="" xmlns:adec="http://schemas.microsoft.com/office/drawing/2017/decorative" val="1"/>
               </a:ext>
             </a:extLst>
           </p:cNvPr>
@@ -7353,7 +7366,7 @@
                 <a16:creationId xmlns:a16="http://schemas.microsoft.com/office/drawing/2014/main" id="{D5A16967-5C32-4A48-9F02-4F0228AC8DBA}"/>
               </a:ext>
               <a:ext uri="{C183D7F6-B498-43B3-948B-1728B52AA6E4}">
-                <adec:decorative xmlns:adec="http://schemas.microsoft.com/office/drawing/2017/decorative" val="1"/>
+                <adec:decorative xmlns="" xmlns:adec="http://schemas.microsoft.com/office/drawing/2017/decorative" val="1"/>
               </a:ext>
             </a:extLst>
           </p:cNvPr>
@@ -7397,7 +7410,7 @@
                 <a16:creationId xmlns:a16="http://schemas.microsoft.com/office/drawing/2014/main" id="{942D078B-EF20-4DB1-AA1B-87F212C56A9A}"/>
               </a:ext>
               <a:ext uri="{C183D7F6-B498-43B3-948B-1728B52AA6E4}">
-                <adec:decorative xmlns:adec="http://schemas.microsoft.com/office/drawing/2017/decorative" val="1"/>
+                <adec:decorative xmlns="" xmlns:adec="http://schemas.microsoft.com/office/drawing/2017/decorative" val="1"/>
               </a:ext>
             </a:extLst>
           </p:cNvPr>
@@ -7505,7 +7518,7 @@
                 <a16:creationId xmlns:a16="http://schemas.microsoft.com/office/drawing/2014/main" id="{0CABCAE3-64FC-4149-819F-2C1812824154}"/>
               </a:ext>
               <a:ext uri="{C183D7F6-B498-43B3-948B-1728B52AA6E4}">
-                <adec:decorative xmlns:adec="http://schemas.microsoft.com/office/drawing/2017/decorative" val="1"/>
+                <adec:decorative xmlns="" xmlns:adec="http://schemas.microsoft.com/office/drawing/2017/decorative" val="1"/>
               </a:ext>
             </a:extLst>
           </p:cNvPr>
@@ -7571,7 +7584,7 @@
                 <a16:creationId xmlns:a16="http://schemas.microsoft.com/office/drawing/2014/main" id="{012FDCFE-9AD2-4D8A-8CBF-B3AA37EBF6DD}"/>
               </a:ext>
               <a:ext uri="{C183D7F6-B498-43B3-948B-1728B52AA6E4}">
-                <adec:decorative xmlns:adec="http://schemas.microsoft.com/office/drawing/2017/decorative" val="1"/>
+                <adec:decorative xmlns="" xmlns:adec="http://schemas.microsoft.com/office/drawing/2017/decorative" val="1"/>
               </a:ext>
             </a:extLst>
           </p:cNvPr>
@@ -7615,7 +7628,7 @@
                 <a16:creationId xmlns:a16="http://schemas.microsoft.com/office/drawing/2014/main" id="{FBD463FC-4CA8-4FF4-85A3-AF9F4B98D210}"/>
               </a:ext>
               <a:ext uri="{C183D7F6-B498-43B3-948B-1728B52AA6E4}">
-                <adec:decorative xmlns:adec="http://schemas.microsoft.com/office/drawing/2017/decorative" val="1"/>
+                <adec:decorative xmlns="" xmlns:adec="http://schemas.microsoft.com/office/drawing/2017/decorative" val="1"/>
               </a:ext>
             </a:extLst>
           </p:cNvPr>
@@ -7669,7 +7682,7 @@
                 <a16:creationId xmlns:a16="http://schemas.microsoft.com/office/drawing/2014/main" id="{BECF35C3-8B44-4F4B-BD25-4C01823DB22A}"/>
               </a:ext>
               <a:ext uri="{C183D7F6-B498-43B3-948B-1728B52AA6E4}">
-                <adec:decorative xmlns:adec="http://schemas.microsoft.com/office/drawing/2017/decorative" val="1"/>
+                <adec:decorative xmlns="" xmlns:adec="http://schemas.microsoft.com/office/drawing/2017/decorative" val="1"/>
               </a:ext>
             </a:extLst>
           </p:cNvPr>
@@ -7717,7 +7730,7 @@
                 <a16:creationId xmlns:a16="http://schemas.microsoft.com/office/drawing/2014/main" id="{D0712110-0BC1-4B31-B3BB-63B44222E87F}"/>
               </a:ext>
               <a:ext uri="{C183D7F6-B498-43B3-948B-1728B52AA6E4}">
-                <adec:decorative xmlns:adec="http://schemas.microsoft.com/office/drawing/2017/decorative" val="1"/>
+                <adec:decorative xmlns="" xmlns:adec="http://schemas.microsoft.com/office/drawing/2017/decorative" val="1"/>
               </a:ext>
             </a:extLst>
           </p:cNvPr>
@@ -7777,7 +7790,7 @@
                 <a16:creationId xmlns:a16="http://schemas.microsoft.com/office/drawing/2014/main" id="{4466B5F3-C053-4580-B04A-1EF949888280}"/>
               </a:ext>
               <a:ext uri="{C183D7F6-B498-43B3-948B-1728B52AA6E4}">
-                <adec:decorative xmlns:adec="http://schemas.microsoft.com/office/drawing/2017/decorative" val="1"/>
+                <adec:decorative xmlns="" xmlns:adec="http://schemas.microsoft.com/office/drawing/2017/decorative" val="1"/>
               </a:ext>
             </a:extLst>
           </p:cNvPr>
@@ -7891,7 +7904,7 @@
                 <a16:creationId xmlns:a16="http://schemas.microsoft.com/office/drawing/2014/main" id="{FA6123F2-4B61-414F-A7E5-5B7828EACAE2}"/>
               </a:ext>
               <a:ext uri="{C183D7F6-B498-43B3-948B-1728B52AA6E4}">
-                <adec:decorative xmlns:adec="http://schemas.microsoft.com/office/drawing/2017/decorative" val="1"/>
+                <adec:decorative xmlns="" xmlns:adec="http://schemas.microsoft.com/office/drawing/2017/decorative" val="1"/>
               </a:ext>
             </a:extLst>
           </p:cNvPr>
@@ -7969,7 +7982,7 @@
                 <a16:creationId xmlns:a16="http://schemas.microsoft.com/office/drawing/2014/main" id="{25CED634-E2D0-4AB7-96DD-816C9B52C5CF}"/>
               </a:ext>
               <a:ext uri="{C183D7F6-B498-43B3-948B-1728B52AA6E4}">
-                <adec:decorative xmlns:adec="http://schemas.microsoft.com/office/drawing/2017/decorative" val="1"/>
+                <adec:decorative xmlns="" xmlns:adec="http://schemas.microsoft.com/office/drawing/2017/decorative" val="1"/>
               </a:ext>
             </a:extLst>
           </p:cNvPr>
@@ -8013,7 +8026,7 @@
                 <a16:creationId xmlns:a16="http://schemas.microsoft.com/office/drawing/2014/main" id="{FCDDCDFB-696D-4FDF-9B58-24F71B7C37BC}"/>
               </a:ext>
               <a:ext uri="{C183D7F6-B498-43B3-948B-1728B52AA6E4}">
-                <adec:decorative xmlns:adec="http://schemas.microsoft.com/office/drawing/2017/decorative" val="1"/>
+                <adec:decorative xmlns="" xmlns:adec="http://schemas.microsoft.com/office/drawing/2017/decorative" val="1"/>
               </a:ext>
             </a:extLst>
           </p:cNvPr>
@@ -8121,7 +8134,7 @@
                 <a16:creationId xmlns:a16="http://schemas.microsoft.com/office/drawing/2014/main" id="{23522FE7-5A29-4EF6-B1EF-2CA55748A772}"/>
               </a:ext>
               <a:ext uri="{C183D7F6-B498-43B3-948B-1728B52AA6E4}">
-                <adec:decorative xmlns:adec="http://schemas.microsoft.com/office/drawing/2017/decorative" val="1"/>
+                <adec:decorative xmlns="" xmlns:adec="http://schemas.microsoft.com/office/drawing/2017/decorative" val="1"/>
               </a:ext>
             </a:extLst>
           </p:cNvPr>
@@ -8187,7 +8200,7 @@
                 <a16:creationId xmlns:a16="http://schemas.microsoft.com/office/drawing/2014/main" id="{C2192E09-EBC7-416C-B887-DFF915D7F43D}"/>
               </a:ext>
               <a:ext uri="{C183D7F6-B498-43B3-948B-1728B52AA6E4}">
-                <adec:decorative xmlns:adec="http://schemas.microsoft.com/office/drawing/2017/decorative" val="1"/>
+                <adec:decorative xmlns="" xmlns:adec="http://schemas.microsoft.com/office/drawing/2017/decorative" val="1"/>
               </a:ext>
             </a:extLst>
           </p:cNvPr>
@@ -8231,7 +8244,7 @@
                 <a16:creationId xmlns:a16="http://schemas.microsoft.com/office/drawing/2014/main" id="{2924498D-E084-44BE-A196-CFCE35564350}"/>
               </a:ext>
               <a:ext uri="{C183D7F6-B498-43B3-948B-1728B52AA6E4}">
-                <adec:decorative xmlns:adec="http://schemas.microsoft.com/office/drawing/2017/decorative" val="1"/>
+                <adec:decorative xmlns="" xmlns:adec="http://schemas.microsoft.com/office/drawing/2017/decorative" val="1"/>
               </a:ext>
             </a:extLst>
           </p:cNvPr>
@@ -8285,7 +8298,7 @@
                 <a16:creationId xmlns:a16="http://schemas.microsoft.com/office/drawing/2014/main" id="{14C12901-9FCC-461E-A64A-89B4791235E9}"/>
               </a:ext>
               <a:ext uri="{C183D7F6-B498-43B3-948B-1728B52AA6E4}">
-                <adec:decorative xmlns:adec="http://schemas.microsoft.com/office/drawing/2017/decorative" val="1"/>
+                <adec:decorative xmlns="" xmlns:adec="http://schemas.microsoft.com/office/drawing/2017/decorative" val="1"/>
               </a:ext>
             </a:extLst>
           </p:cNvPr>
@@ -8333,7 +8346,7 @@
                 <a16:creationId xmlns:a16="http://schemas.microsoft.com/office/drawing/2014/main" id="{29C51009-A09A-4689-8E6C-F8FC99E6A840}"/>
               </a:ext>
               <a:ext uri="{C183D7F6-B498-43B3-948B-1728B52AA6E4}">
-                <adec:decorative xmlns:adec="http://schemas.microsoft.com/office/drawing/2017/decorative" val="1"/>
+                <adec:decorative xmlns="" xmlns:adec="http://schemas.microsoft.com/office/drawing/2017/decorative" val="1"/>
               </a:ext>
             </a:extLst>
           </p:cNvPr>
@@ -8441,7 +8454,7 @@
                 <a16:creationId xmlns:a16="http://schemas.microsoft.com/office/drawing/2014/main" id="{9EC65442-F244-409C-BF44-C5D6472E810A}"/>
               </a:ext>
               <a:ext uri="{C183D7F6-B498-43B3-948B-1728B52AA6E4}">
-                <adec:decorative xmlns:adec="http://schemas.microsoft.com/office/drawing/2017/decorative" val="1"/>
+                <adec:decorative xmlns="" xmlns:adec="http://schemas.microsoft.com/office/drawing/2017/decorative" val="1"/>
               </a:ext>
             </a:extLst>
           </p:cNvPr>
@@ -8679,7 +8692,7 @@
                 <a16:creationId xmlns:a16="http://schemas.microsoft.com/office/drawing/2014/main" id="{0CABCAE3-64FC-4149-819F-2C1812824154}"/>
               </a:ext>
               <a:ext uri="{C183D7F6-B498-43B3-948B-1728B52AA6E4}">
-                <adec:decorative xmlns:adec="http://schemas.microsoft.com/office/drawing/2017/decorative" val="1"/>
+                <adec:decorative xmlns="" xmlns:adec="http://schemas.microsoft.com/office/drawing/2017/decorative" val="1"/>
               </a:ext>
             </a:extLst>
           </p:cNvPr>
@@ -8745,7 +8758,7 @@
                 <a16:creationId xmlns:a16="http://schemas.microsoft.com/office/drawing/2014/main" id="{012FDCFE-9AD2-4D8A-8CBF-B3AA37EBF6DD}"/>
               </a:ext>
               <a:ext uri="{C183D7F6-B498-43B3-948B-1728B52AA6E4}">
-                <adec:decorative xmlns:adec="http://schemas.microsoft.com/office/drawing/2017/decorative" val="1"/>
+                <adec:decorative xmlns="" xmlns:adec="http://schemas.microsoft.com/office/drawing/2017/decorative" val="1"/>
               </a:ext>
             </a:extLst>
           </p:cNvPr>
@@ -8789,7 +8802,7 @@
                 <a16:creationId xmlns:a16="http://schemas.microsoft.com/office/drawing/2014/main" id="{FBD463FC-4CA8-4FF4-85A3-AF9F4B98D210}"/>
               </a:ext>
               <a:ext uri="{C183D7F6-B498-43B3-948B-1728B52AA6E4}">
-                <adec:decorative xmlns:adec="http://schemas.microsoft.com/office/drawing/2017/decorative" val="1"/>
+                <adec:decorative xmlns="" xmlns:adec="http://schemas.microsoft.com/office/drawing/2017/decorative" val="1"/>
               </a:ext>
             </a:extLst>
           </p:cNvPr>
@@ -8843,7 +8856,7 @@
                 <a16:creationId xmlns:a16="http://schemas.microsoft.com/office/drawing/2014/main" id="{A56012FD-74A8-4C91-B318-435CF2B71927}"/>
               </a:ext>
               <a:ext uri="{C183D7F6-B498-43B3-948B-1728B52AA6E4}">
-                <adec:decorative xmlns:adec="http://schemas.microsoft.com/office/drawing/2017/decorative" val="1"/>
+                <adec:decorative xmlns="" xmlns:adec="http://schemas.microsoft.com/office/drawing/2017/decorative" val="1"/>
               </a:ext>
             </a:extLst>
           </p:cNvPr>
@@ -8891,7 +8904,7 @@
                 <a16:creationId xmlns:a16="http://schemas.microsoft.com/office/drawing/2014/main" id="{35C3D674-3D59-4E93-80CA-0C0A9095E816}"/>
               </a:ext>
               <a:ext uri="{C183D7F6-B498-43B3-948B-1728B52AA6E4}">
-                <adec:decorative xmlns:adec="http://schemas.microsoft.com/office/drawing/2017/decorative" val="1"/>
+                <adec:decorative xmlns="" xmlns:adec="http://schemas.microsoft.com/office/drawing/2017/decorative" val="1"/>
               </a:ext>
             </a:extLst>
           </p:cNvPr>
@@ -8951,7 +8964,7 @@
                 <a16:creationId xmlns:a16="http://schemas.microsoft.com/office/drawing/2014/main" id="{C884B8F8-FDC9-498B-9960-5D7260AFCB03}"/>
               </a:ext>
               <a:ext uri="{C183D7F6-B498-43B3-948B-1728B52AA6E4}">
-                <adec:decorative xmlns:adec="http://schemas.microsoft.com/office/drawing/2017/decorative" val="1"/>
+                <adec:decorative xmlns="" xmlns:adec="http://schemas.microsoft.com/office/drawing/2017/decorative" val="1"/>
               </a:ext>
             </a:extLst>
           </p:cNvPr>
@@ -9039,7 +9052,7 @@
                 <a16:creationId xmlns:a16="http://schemas.microsoft.com/office/drawing/2014/main" id="{EF2A81E1-BCBE-426B-8C09-33274E69409D}"/>
               </a:ext>
               <a:ext uri="{C183D7F6-B498-43B3-948B-1728B52AA6E4}">
-                <adec:decorative xmlns:adec="http://schemas.microsoft.com/office/drawing/2017/decorative" val="1"/>
+                <adec:decorative xmlns="" xmlns:adec="http://schemas.microsoft.com/office/drawing/2017/decorative" val="1"/>
               </a:ext>
             </a:extLst>
           </p:cNvPr>
@@ -9198,7 +9211,7 @@
                 <a16:creationId xmlns:a16="http://schemas.microsoft.com/office/drawing/2014/main" id="{39D1DDD4-5BB3-45BA-B9B3-06B62299AD79}"/>
               </a:ext>
               <a:ext uri="{C183D7F6-B498-43B3-948B-1728B52AA6E4}">
-                <adec:decorative xmlns:adec="http://schemas.microsoft.com/office/drawing/2017/decorative" val="1"/>
+                <adec:decorative xmlns="" xmlns:adec="http://schemas.microsoft.com/office/drawing/2017/decorative" val="1"/>
               </a:ext>
             </a:extLst>
           </p:cNvPr>
@@ -9242,7 +9255,7 @@
                 <a16:creationId xmlns:a16="http://schemas.microsoft.com/office/drawing/2014/main" id="{A24DAE64-2302-42EA-8239-F2F0775CA5AD}"/>
               </a:ext>
               <a:ext uri="{C183D7F6-B498-43B3-948B-1728B52AA6E4}">
-                <adec:decorative xmlns:adec="http://schemas.microsoft.com/office/drawing/2017/decorative" val="1"/>
+                <adec:decorative xmlns="" xmlns:adec="http://schemas.microsoft.com/office/drawing/2017/decorative" val="1"/>
               </a:ext>
             </a:extLst>
           </p:cNvPr>
@@ -9375,7 +9388,7 @@
                 <a16:creationId xmlns:a16="http://schemas.microsoft.com/office/drawing/2014/main" id="{23522FE7-5A29-4EF6-B1EF-2CA55748A772}"/>
               </a:ext>
               <a:ext uri="{C183D7F6-B498-43B3-948B-1728B52AA6E4}">
-                <adec:decorative xmlns:adec="http://schemas.microsoft.com/office/drawing/2017/decorative" val="1"/>
+                <adec:decorative xmlns="" xmlns:adec="http://schemas.microsoft.com/office/drawing/2017/decorative" val="1"/>
               </a:ext>
             </a:extLst>
           </p:cNvPr>
@@ -9441,7 +9454,7 @@
                 <a16:creationId xmlns:a16="http://schemas.microsoft.com/office/drawing/2014/main" id="{C2192E09-EBC7-416C-B887-DFF915D7F43D}"/>
               </a:ext>
               <a:ext uri="{C183D7F6-B498-43B3-948B-1728B52AA6E4}">
-                <adec:decorative xmlns:adec="http://schemas.microsoft.com/office/drawing/2017/decorative" val="1"/>
+                <adec:decorative xmlns="" xmlns:adec="http://schemas.microsoft.com/office/drawing/2017/decorative" val="1"/>
               </a:ext>
             </a:extLst>
           </p:cNvPr>
@@ -9485,7 +9498,7 @@
                 <a16:creationId xmlns:a16="http://schemas.microsoft.com/office/drawing/2014/main" id="{2924498D-E084-44BE-A196-CFCE35564350}"/>
               </a:ext>
               <a:ext uri="{C183D7F6-B498-43B3-948B-1728B52AA6E4}">
-                <adec:decorative xmlns:adec="http://schemas.microsoft.com/office/drawing/2017/decorative" val="1"/>
+                <adec:decorative xmlns="" xmlns:adec="http://schemas.microsoft.com/office/drawing/2017/decorative" val="1"/>
               </a:ext>
             </a:extLst>
           </p:cNvPr>
@@ -9539,7 +9552,7 @@
                 <a16:creationId xmlns:a16="http://schemas.microsoft.com/office/drawing/2014/main" id="{14C12901-9FCC-461E-A64A-89B4791235E9}"/>
               </a:ext>
               <a:ext uri="{C183D7F6-B498-43B3-948B-1728B52AA6E4}">
-                <adec:decorative xmlns:adec="http://schemas.microsoft.com/office/drawing/2017/decorative" val="1"/>
+                <adec:decorative xmlns="" xmlns:adec="http://schemas.microsoft.com/office/drawing/2017/decorative" val="1"/>
               </a:ext>
             </a:extLst>
           </p:cNvPr>
@@ -9587,7 +9600,7 @@
                 <a16:creationId xmlns:a16="http://schemas.microsoft.com/office/drawing/2014/main" id="{29C51009-A09A-4689-8E6C-F8FC99E6A840}"/>
               </a:ext>
               <a:ext uri="{C183D7F6-B498-43B3-948B-1728B52AA6E4}">
-                <adec:decorative xmlns:adec="http://schemas.microsoft.com/office/drawing/2017/decorative" val="1"/>
+                <adec:decorative xmlns="" xmlns:adec="http://schemas.microsoft.com/office/drawing/2017/decorative" val="1"/>
               </a:ext>
             </a:extLst>
           </p:cNvPr>
@@ -9695,7 +9708,7 @@
                 <a16:creationId xmlns:a16="http://schemas.microsoft.com/office/drawing/2014/main" id="{9EC65442-F244-409C-BF44-C5D6472E810A}"/>
               </a:ext>
               <a:ext uri="{C183D7F6-B498-43B3-948B-1728B52AA6E4}">
-                <adec:decorative xmlns:adec="http://schemas.microsoft.com/office/drawing/2017/decorative" val="1"/>
+                <adec:decorative xmlns="" xmlns:adec="http://schemas.microsoft.com/office/drawing/2017/decorative" val="1"/>
               </a:ext>
             </a:extLst>
           </p:cNvPr>
@@ -10224,7 +10237,7 @@
                 <a16:creationId xmlns:a16="http://schemas.microsoft.com/office/drawing/2014/main" id="{23522FE7-5A29-4EF6-B1EF-2CA55748A772}"/>
               </a:ext>
               <a:ext uri="{C183D7F6-B498-43B3-948B-1728B52AA6E4}">
-                <adec:decorative xmlns:adec="http://schemas.microsoft.com/office/drawing/2017/decorative" val="1"/>
+                <adec:decorative xmlns="" xmlns:adec="http://schemas.microsoft.com/office/drawing/2017/decorative" val="1"/>
               </a:ext>
             </a:extLst>
           </p:cNvPr>
@@ -10290,7 +10303,7 @@
                 <a16:creationId xmlns:a16="http://schemas.microsoft.com/office/drawing/2014/main" id="{C2192E09-EBC7-416C-B887-DFF915D7F43D}"/>
               </a:ext>
               <a:ext uri="{C183D7F6-B498-43B3-948B-1728B52AA6E4}">
-                <adec:decorative xmlns:adec="http://schemas.microsoft.com/office/drawing/2017/decorative" val="1"/>
+                <adec:decorative xmlns="" xmlns:adec="http://schemas.microsoft.com/office/drawing/2017/decorative" val="1"/>
               </a:ext>
             </a:extLst>
           </p:cNvPr>
@@ -10334,7 +10347,7 @@
                 <a16:creationId xmlns:a16="http://schemas.microsoft.com/office/drawing/2014/main" id="{2924498D-E084-44BE-A196-CFCE35564350}"/>
               </a:ext>
               <a:ext uri="{C183D7F6-B498-43B3-948B-1728B52AA6E4}">
-                <adec:decorative xmlns:adec="http://schemas.microsoft.com/office/drawing/2017/decorative" val="1"/>
+                <adec:decorative xmlns="" xmlns:adec="http://schemas.microsoft.com/office/drawing/2017/decorative" val="1"/>
               </a:ext>
             </a:extLst>
           </p:cNvPr>
@@ -10388,7 +10401,7 @@
                 <a16:creationId xmlns:a16="http://schemas.microsoft.com/office/drawing/2014/main" id="{14C12901-9FCC-461E-A64A-89B4791235E9}"/>
               </a:ext>
               <a:ext uri="{C183D7F6-B498-43B3-948B-1728B52AA6E4}">
-                <adec:decorative xmlns:adec="http://schemas.microsoft.com/office/drawing/2017/decorative" val="1"/>
+                <adec:decorative xmlns="" xmlns:adec="http://schemas.microsoft.com/office/drawing/2017/decorative" val="1"/>
               </a:ext>
             </a:extLst>
           </p:cNvPr>
@@ -10436,7 +10449,7 @@
                 <a16:creationId xmlns:a16="http://schemas.microsoft.com/office/drawing/2014/main" id="{29C51009-A09A-4689-8E6C-F8FC99E6A840}"/>
               </a:ext>
               <a:ext uri="{C183D7F6-B498-43B3-948B-1728B52AA6E4}">
-                <adec:decorative xmlns:adec="http://schemas.microsoft.com/office/drawing/2017/decorative" val="1"/>
+                <adec:decorative xmlns="" xmlns:adec="http://schemas.microsoft.com/office/drawing/2017/decorative" val="1"/>
               </a:ext>
             </a:extLst>
           </p:cNvPr>
@@ -10567,6 +10580,18 @@
                 <a:cs typeface="+mj-cs"/>
               </a:rPr>
             </a:br>
+            <a:r>
+              <a:rPr lang="en-US" sz="2200" b="0" i="0" kern="1200" cap="all" dirty="0">
+                <a:solidFill>
+                  <a:schemeClr val="tx1"/>
+                </a:solidFill>
+                <a:effectLst/>
+                <a:latin typeface="+mj-lt"/>
+                <a:ea typeface="+mj-ea"/>
+                <a:cs typeface="+mj-cs"/>
+              </a:rPr>
+              <a:t/>
+            </a:r>
             <a:br>
               <a:rPr lang="en-US" sz="2200" b="0" i="0" kern="1200" cap="all" dirty="0">
                 <a:solidFill>
@@ -10598,7 +10623,7 @@
                 <a16:creationId xmlns:a16="http://schemas.microsoft.com/office/drawing/2014/main" id="{9EC65442-F244-409C-BF44-C5D6472E810A}"/>
               </a:ext>
               <a:ext uri="{C183D7F6-B498-43B3-948B-1728B52AA6E4}">
-                <adec:decorative xmlns:adec="http://schemas.microsoft.com/office/drawing/2017/decorative" val="1"/>
+                <adec:decorative xmlns="" xmlns:adec="http://schemas.microsoft.com/office/drawing/2017/decorative" val="1"/>
               </a:ext>
             </a:extLst>
           </p:cNvPr>
@@ -11182,7 +11207,7 @@
                 <a16:creationId xmlns:a16="http://schemas.microsoft.com/office/drawing/2014/main" id="{EEA869E1-F851-4A52-92F5-77E592B76A5B}"/>
               </a:ext>
               <a:ext uri="{C183D7F6-B498-43B3-948B-1728B52AA6E4}">
-                <adec:decorative xmlns:adec="http://schemas.microsoft.com/office/drawing/2017/decorative" val="1"/>
+                <adec:decorative xmlns="" xmlns:adec="http://schemas.microsoft.com/office/drawing/2017/decorative" val="1"/>
               </a:ext>
             </a:extLst>
           </p:cNvPr>
@@ -11248,7 +11273,7 @@
                 <a16:creationId xmlns:a16="http://schemas.microsoft.com/office/drawing/2014/main" id="{B083AD55-8296-44BD-8E14-DD2DDBC351B0}"/>
               </a:ext>
               <a:ext uri="{C183D7F6-B498-43B3-948B-1728B52AA6E4}">
-                <adec:decorative xmlns:adec="http://schemas.microsoft.com/office/drawing/2017/decorative" val="1"/>
+                <adec:decorative xmlns="" xmlns:adec="http://schemas.microsoft.com/office/drawing/2017/decorative" val="1"/>
               </a:ext>
             </a:extLst>
           </p:cNvPr>
@@ -11292,7 +11317,7 @@
                 <a16:creationId xmlns:a16="http://schemas.microsoft.com/office/drawing/2014/main" id="{2BF46B26-15FC-4C5A-94FA-AE9ED64B5C20}"/>
               </a:ext>
               <a:ext uri="{C183D7F6-B498-43B3-948B-1728B52AA6E4}">
-                <adec:decorative xmlns:adec="http://schemas.microsoft.com/office/drawing/2017/decorative" val="1"/>
+                <adec:decorative xmlns="" xmlns:adec="http://schemas.microsoft.com/office/drawing/2017/decorative" val="1"/>
               </a:ext>
             </a:extLst>
           </p:cNvPr>
@@ -11346,7 +11371,7 @@
                 <a16:creationId xmlns:a16="http://schemas.microsoft.com/office/drawing/2014/main" id="{BADF1045-FC61-45F9-B214-2286C9675985}"/>
               </a:ext>
               <a:ext uri="{C183D7F6-B498-43B3-948B-1728B52AA6E4}">
-                <adec:decorative xmlns:adec="http://schemas.microsoft.com/office/drawing/2017/decorative" val="1"/>
+                <adec:decorative xmlns="" xmlns:adec="http://schemas.microsoft.com/office/drawing/2017/decorative" val="1"/>
               </a:ext>
             </a:extLst>
           </p:cNvPr>
@@ -11394,7 +11419,7 @@
                 <a16:creationId xmlns:a16="http://schemas.microsoft.com/office/drawing/2014/main" id="{742C14A9-3617-46DD-9FC4-ED828A7D3E6F}"/>
               </a:ext>
               <a:ext uri="{C183D7F6-B498-43B3-948B-1728B52AA6E4}">
-                <adec:decorative xmlns:adec="http://schemas.microsoft.com/office/drawing/2017/decorative" val="1"/>
+                <adec:decorative xmlns="" xmlns:adec="http://schemas.microsoft.com/office/drawing/2017/decorative" val="1"/>
               </a:ext>
             </a:extLst>
           </p:cNvPr>
@@ -11454,7 +11479,7 @@
                 <a16:creationId xmlns:a16="http://schemas.microsoft.com/office/drawing/2014/main" id="{19AB0109-1C89-41F0-9EDF-3DE017BE3F27}"/>
               </a:ext>
               <a:ext uri="{C183D7F6-B498-43B3-948B-1728B52AA6E4}">
-                <adec:decorative xmlns:adec="http://schemas.microsoft.com/office/drawing/2017/decorative" val="1"/>
+                <adec:decorative xmlns="" xmlns:adec="http://schemas.microsoft.com/office/drawing/2017/decorative" val="1"/>
               </a:ext>
             </a:extLst>
           </p:cNvPr>
@@ -11542,7 +11567,7 @@
                 <a16:creationId xmlns:a16="http://schemas.microsoft.com/office/drawing/2014/main" id="{19E5CB6C-D5A1-44AB-BAD0-E76C67ED2802}"/>
               </a:ext>
               <a:ext uri="{C183D7F6-B498-43B3-948B-1728B52AA6E4}">
-                <adec:decorative xmlns:adec="http://schemas.microsoft.com/office/drawing/2017/decorative" val="1"/>
+                <adec:decorative xmlns="" xmlns:adec="http://schemas.microsoft.com/office/drawing/2017/decorative" val="1"/>
               </a:ext>
             </a:extLst>
           </p:cNvPr>
@@ -11755,7 +11780,7 @@
                 <a16:creationId xmlns:a16="http://schemas.microsoft.com/office/drawing/2014/main" id="{D5A16967-5C32-4A48-9F02-4F0228AC8DBA}"/>
               </a:ext>
               <a:ext uri="{C183D7F6-B498-43B3-948B-1728B52AA6E4}">
-                <adec:decorative xmlns:adec="http://schemas.microsoft.com/office/drawing/2017/decorative" val="1"/>
+                <adec:decorative xmlns="" xmlns:adec="http://schemas.microsoft.com/office/drawing/2017/decorative" val="1"/>
               </a:ext>
             </a:extLst>
           </p:cNvPr>
@@ -11799,7 +11824,7 @@
                 <a16:creationId xmlns:a16="http://schemas.microsoft.com/office/drawing/2014/main" id="{942D078B-EF20-4DB1-AA1B-87F212C56A9A}"/>
               </a:ext>
               <a:ext uri="{C183D7F6-B498-43B3-948B-1728B52AA6E4}">
-                <adec:decorative xmlns:adec="http://schemas.microsoft.com/office/drawing/2017/decorative" val="1"/>
+                <adec:decorative xmlns="" xmlns:adec="http://schemas.microsoft.com/office/drawing/2017/decorative" val="1"/>
               </a:ext>
             </a:extLst>
           </p:cNvPr>
@@ -11907,7 +11932,7 @@
                 <a16:creationId xmlns:a16="http://schemas.microsoft.com/office/drawing/2014/main" id="{EEA869E1-F851-4A52-92F5-77E592B76A5B}"/>
               </a:ext>
               <a:ext uri="{C183D7F6-B498-43B3-948B-1728B52AA6E4}">
-                <adec:decorative xmlns:adec="http://schemas.microsoft.com/office/drawing/2017/decorative" val="1"/>
+                <adec:decorative xmlns="" xmlns:adec="http://schemas.microsoft.com/office/drawing/2017/decorative" val="1"/>
               </a:ext>
             </a:extLst>
           </p:cNvPr>
@@ -11973,7 +11998,7 @@
                 <a16:creationId xmlns:a16="http://schemas.microsoft.com/office/drawing/2014/main" id="{B083AD55-8296-44BD-8E14-DD2DDBC351B0}"/>
               </a:ext>
               <a:ext uri="{C183D7F6-B498-43B3-948B-1728B52AA6E4}">
-                <adec:decorative xmlns:adec="http://schemas.microsoft.com/office/drawing/2017/decorative" val="1"/>
+                <adec:decorative xmlns="" xmlns:adec="http://schemas.microsoft.com/office/drawing/2017/decorative" val="1"/>
               </a:ext>
             </a:extLst>
           </p:cNvPr>
@@ -12017,7 +12042,7 @@
                 <a16:creationId xmlns:a16="http://schemas.microsoft.com/office/drawing/2014/main" id="{2BF46B26-15FC-4C5A-94FA-AE9ED64B5C20}"/>
               </a:ext>
               <a:ext uri="{C183D7F6-B498-43B3-948B-1728B52AA6E4}">
-                <adec:decorative xmlns:adec="http://schemas.microsoft.com/office/drawing/2017/decorative" val="1"/>
+                <adec:decorative xmlns="" xmlns:adec="http://schemas.microsoft.com/office/drawing/2017/decorative" val="1"/>
               </a:ext>
             </a:extLst>
           </p:cNvPr>
@@ -12071,7 +12096,7 @@
                 <a16:creationId xmlns:a16="http://schemas.microsoft.com/office/drawing/2014/main" id="{BADF1045-FC61-45F9-B214-2286C9675985}"/>
               </a:ext>
               <a:ext uri="{C183D7F6-B498-43B3-948B-1728B52AA6E4}">
-                <adec:decorative xmlns:adec="http://schemas.microsoft.com/office/drawing/2017/decorative" val="1"/>
+                <adec:decorative xmlns="" xmlns:adec="http://schemas.microsoft.com/office/drawing/2017/decorative" val="1"/>
               </a:ext>
             </a:extLst>
           </p:cNvPr>
@@ -12119,7 +12144,7 @@
                 <a16:creationId xmlns:a16="http://schemas.microsoft.com/office/drawing/2014/main" id="{742C14A9-3617-46DD-9FC4-ED828A7D3E6F}"/>
               </a:ext>
               <a:ext uri="{C183D7F6-B498-43B3-948B-1728B52AA6E4}">
-                <adec:decorative xmlns:adec="http://schemas.microsoft.com/office/drawing/2017/decorative" val="1"/>
+                <adec:decorative xmlns="" xmlns:adec="http://schemas.microsoft.com/office/drawing/2017/decorative" val="1"/>
               </a:ext>
             </a:extLst>
           </p:cNvPr>
@@ -12179,7 +12204,7 @@
                 <a16:creationId xmlns:a16="http://schemas.microsoft.com/office/drawing/2014/main" id="{19AB0109-1C89-41F0-9EDF-3DE017BE3F27}"/>
               </a:ext>
               <a:ext uri="{C183D7F6-B498-43B3-948B-1728B52AA6E4}">
-                <adec:decorative xmlns:adec="http://schemas.microsoft.com/office/drawing/2017/decorative" val="1"/>
+                <adec:decorative xmlns="" xmlns:adec="http://schemas.microsoft.com/office/drawing/2017/decorative" val="1"/>
               </a:ext>
             </a:extLst>
           </p:cNvPr>
@@ -12267,7 +12292,7 @@
                 <a16:creationId xmlns:a16="http://schemas.microsoft.com/office/drawing/2014/main" id="{19E5CB6C-D5A1-44AB-BAD0-E76C67ED2802}"/>
               </a:ext>
               <a:ext uri="{C183D7F6-B498-43B3-948B-1728B52AA6E4}">
-                <adec:decorative xmlns:adec="http://schemas.microsoft.com/office/drawing/2017/decorative" val="1"/>
+                <adec:decorative xmlns="" xmlns:adec="http://schemas.microsoft.com/office/drawing/2017/decorative" val="1"/>
               </a:ext>
             </a:extLst>
           </p:cNvPr>
@@ -12438,7 +12463,7 @@
                 <a16:creationId xmlns:a16="http://schemas.microsoft.com/office/drawing/2014/main" id="{D5A16967-5C32-4A48-9F02-4F0228AC8DBA}"/>
               </a:ext>
               <a:ext uri="{C183D7F6-B498-43B3-948B-1728B52AA6E4}">
-                <adec:decorative xmlns:adec="http://schemas.microsoft.com/office/drawing/2017/decorative" val="1"/>
+                <adec:decorative xmlns="" xmlns:adec="http://schemas.microsoft.com/office/drawing/2017/decorative" val="1"/>
               </a:ext>
             </a:extLst>
           </p:cNvPr>
@@ -12482,7 +12507,7 @@
                 <a16:creationId xmlns:a16="http://schemas.microsoft.com/office/drawing/2014/main" id="{942D078B-EF20-4DB1-AA1B-87F212C56A9A}"/>
               </a:ext>
               <a:ext uri="{C183D7F6-B498-43B3-948B-1728B52AA6E4}">
-                <adec:decorative xmlns:adec="http://schemas.microsoft.com/office/drawing/2017/decorative" val="1"/>
+                <adec:decorative xmlns="" xmlns:adec="http://schemas.microsoft.com/office/drawing/2017/decorative" val="1"/>
               </a:ext>
             </a:extLst>
           </p:cNvPr>
@@ -12590,7 +12615,7 @@
                 <a16:creationId xmlns:a16="http://schemas.microsoft.com/office/drawing/2014/main" id="{23522FE7-5A29-4EF6-B1EF-2CA55748A772}"/>
               </a:ext>
               <a:ext uri="{C183D7F6-B498-43B3-948B-1728B52AA6E4}">
-                <adec:decorative xmlns:adec="http://schemas.microsoft.com/office/drawing/2017/decorative" val="1"/>
+                <adec:decorative xmlns="" xmlns:adec="http://schemas.microsoft.com/office/drawing/2017/decorative" val="1"/>
               </a:ext>
             </a:extLst>
           </p:cNvPr>
@@ -12656,7 +12681,7 @@
                 <a16:creationId xmlns:a16="http://schemas.microsoft.com/office/drawing/2014/main" id="{C2192E09-EBC7-416C-B887-DFF915D7F43D}"/>
               </a:ext>
               <a:ext uri="{C183D7F6-B498-43B3-948B-1728B52AA6E4}">
-                <adec:decorative xmlns:adec="http://schemas.microsoft.com/office/drawing/2017/decorative" val="1"/>
+                <adec:decorative xmlns="" xmlns:adec="http://schemas.microsoft.com/office/drawing/2017/decorative" val="1"/>
               </a:ext>
             </a:extLst>
           </p:cNvPr>
@@ -12700,7 +12725,7 @@
                 <a16:creationId xmlns:a16="http://schemas.microsoft.com/office/drawing/2014/main" id="{2924498D-E084-44BE-A196-CFCE35564350}"/>
               </a:ext>
               <a:ext uri="{C183D7F6-B498-43B3-948B-1728B52AA6E4}">
-                <adec:decorative xmlns:adec="http://schemas.microsoft.com/office/drawing/2017/decorative" val="1"/>
+                <adec:decorative xmlns="" xmlns:adec="http://schemas.microsoft.com/office/drawing/2017/decorative" val="1"/>
               </a:ext>
             </a:extLst>
           </p:cNvPr>
@@ -12754,7 +12779,7 @@
                 <a16:creationId xmlns:a16="http://schemas.microsoft.com/office/drawing/2014/main" id="{14C12901-9FCC-461E-A64A-89B4791235E9}"/>
               </a:ext>
               <a:ext uri="{C183D7F6-B498-43B3-948B-1728B52AA6E4}">
-                <adec:decorative xmlns:adec="http://schemas.microsoft.com/office/drawing/2017/decorative" val="1"/>
+                <adec:decorative xmlns="" xmlns:adec="http://schemas.microsoft.com/office/drawing/2017/decorative" val="1"/>
               </a:ext>
             </a:extLst>
           </p:cNvPr>
@@ -12802,7 +12827,7 @@
                 <a16:creationId xmlns:a16="http://schemas.microsoft.com/office/drawing/2014/main" id="{29C51009-A09A-4689-8E6C-F8FC99E6A840}"/>
               </a:ext>
               <a:ext uri="{C183D7F6-B498-43B3-948B-1728B52AA6E4}">
-                <adec:decorative xmlns:adec="http://schemas.microsoft.com/office/drawing/2017/decorative" val="1"/>
+                <adec:decorative xmlns="" xmlns:adec="http://schemas.microsoft.com/office/drawing/2017/decorative" val="1"/>
               </a:ext>
             </a:extLst>
           </p:cNvPr>
@@ -12921,6 +12946,18 @@
                 <a:cs typeface="+mj-cs"/>
               </a:rPr>
               <a:t>Menampilkan jarak dan rute terdekat untuk ke universitas dari lokasi input user</a:t>
+            </a:r>
+            <a:r>
+              <a:rPr lang="en-US" sz="2500" b="0" i="0" kern="1200" cap="all" dirty="0">
+                <a:solidFill>
+                  <a:schemeClr val="tx1"/>
+                </a:solidFill>
+                <a:effectLst/>
+                <a:latin typeface="+mj-lt"/>
+                <a:ea typeface="+mj-ea"/>
+                <a:cs typeface="+mj-cs"/>
+              </a:rPr>
+              <a:t/>
             </a:r>
             <a:br>
               <a:rPr lang="en-US" sz="2500" b="0" i="0" kern="1200" cap="all" dirty="0">
@@ -12953,7 +12990,7 @@
                 <a16:creationId xmlns:a16="http://schemas.microsoft.com/office/drawing/2014/main" id="{9EC65442-F244-409C-BF44-C5D6472E810A}"/>
               </a:ext>
               <a:ext uri="{C183D7F6-B498-43B3-948B-1728B52AA6E4}">
-                <adec:decorative xmlns:adec="http://schemas.microsoft.com/office/drawing/2017/decorative" val="1"/>
+                <adec:decorative xmlns="" xmlns:adec="http://schemas.microsoft.com/office/drawing/2017/decorative" val="1"/>
               </a:ext>
             </a:extLst>
           </p:cNvPr>
@@ -13621,7 +13658,7 @@
                 <a16:creationId xmlns:a16="http://schemas.microsoft.com/office/drawing/2014/main" id="{0CABCAE3-64FC-4149-819F-2C1812824154}"/>
               </a:ext>
               <a:ext uri="{C183D7F6-B498-43B3-948B-1728B52AA6E4}">
-                <adec:decorative xmlns:adec="http://schemas.microsoft.com/office/drawing/2017/decorative" val="1"/>
+                <adec:decorative xmlns="" xmlns:adec="http://schemas.microsoft.com/office/drawing/2017/decorative" val="1"/>
               </a:ext>
             </a:extLst>
           </p:cNvPr>
@@ -13687,7 +13724,7 @@
                 <a16:creationId xmlns:a16="http://schemas.microsoft.com/office/drawing/2014/main" id="{012FDCFE-9AD2-4D8A-8CBF-B3AA37EBF6DD}"/>
               </a:ext>
               <a:ext uri="{C183D7F6-B498-43B3-948B-1728B52AA6E4}">
-                <adec:decorative xmlns:adec="http://schemas.microsoft.com/office/drawing/2017/decorative" val="1"/>
+                <adec:decorative xmlns="" xmlns:adec="http://schemas.microsoft.com/office/drawing/2017/decorative" val="1"/>
               </a:ext>
             </a:extLst>
           </p:cNvPr>
@@ -13731,7 +13768,7 @@
                 <a16:creationId xmlns:a16="http://schemas.microsoft.com/office/drawing/2014/main" id="{FBD463FC-4CA8-4FF4-85A3-AF9F4B98D210}"/>
               </a:ext>
               <a:ext uri="{C183D7F6-B498-43B3-948B-1728B52AA6E4}">
-                <adec:decorative xmlns:adec="http://schemas.microsoft.com/office/drawing/2017/decorative" val="1"/>
+                <adec:decorative xmlns="" xmlns:adec="http://schemas.microsoft.com/office/drawing/2017/decorative" val="1"/>
               </a:ext>
             </a:extLst>
           </p:cNvPr>
@@ -13785,7 +13822,7 @@
                 <a16:creationId xmlns:a16="http://schemas.microsoft.com/office/drawing/2014/main" id="{A56012FD-74A8-4C91-B318-435CF2B71927}"/>
               </a:ext>
               <a:ext uri="{C183D7F6-B498-43B3-948B-1728B52AA6E4}">
-                <adec:decorative xmlns:adec="http://schemas.microsoft.com/office/drawing/2017/decorative" val="1"/>
+                <adec:decorative xmlns="" xmlns:adec="http://schemas.microsoft.com/office/drawing/2017/decorative" val="1"/>
               </a:ext>
             </a:extLst>
           </p:cNvPr>
@@ -13833,7 +13870,7 @@
                 <a16:creationId xmlns:a16="http://schemas.microsoft.com/office/drawing/2014/main" id="{1C2A4B30-77D7-4FFB-8B53-A88BD68CABD2}"/>
               </a:ext>
               <a:ext uri="{C183D7F6-B498-43B3-948B-1728B52AA6E4}">
-                <adec:decorative xmlns:adec="http://schemas.microsoft.com/office/drawing/2017/decorative" val="1"/>
+                <adec:decorative xmlns="" xmlns:adec="http://schemas.microsoft.com/office/drawing/2017/decorative" val="1"/>
               </a:ext>
             </a:extLst>
           </p:cNvPr>
@@ -13933,7 +13970,7 @@
                 <a16:creationId xmlns:a16="http://schemas.microsoft.com/office/drawing/2014/main" id="{373AAE2E-5D6B-4952-A4BB-546C49F8DE4B}"/>
               </a:ext>
               <a:ext uri="{C183D7F6-B498-43B3-948B-1728B52AA6E4}">
-                <adec:decorative xmlns:adec="http://schemas.microsoft.com/office/drawing/2017/decorative" val="1"/>
+                <adec:decorative xmlns="" xmlns:adec="http://schemas.microsoft.com/office/drawing/2017/decorative" val="1"/>
               </a:ext>
             </a:extLst>
           </p:cNvPr>
@@ -13981,7 +14018,7 @@
                 <a16:creationId xmlns:a16="http://schemas.microsoft.com/office/drawing/2014/main" id="{01E4D783-AD45-49E7-B6C7-BBACB8290688}"/>
               </a:ext>
               <a:ext uri="{C183D7F6-B498-43B3-948B-1728B52AA6E4}">
-                <adec:decorative xmlns:adec="http://schemas.microsoft.com/office/drawing/2017/decorative" val="1"/>
+                <adec:decorative xmlns="" xmlns:adec="http://schemas.microsoft.com/office/drawing/2017/decorative" val="1"/>
               </a:ext>
             </a:extLst>
           </p:cNvPr>
